--- a/Final Presentation.pptx
+++ b/Final Presentation.pptx
@@ -116,6 +116,11 @@
       </a:defRPr>
     </a:lvl9pPr>
   </p:defaultTextStyle>
+  <p:extLst>
+    <p:ext uri="{EFAFB233-063F-42B5-8137-9DF3F51BA10A}">
+      <p15:sldGuideLst xmlns:p15="http://schemas.microsoft.com/office/powerpoint/2012/main"/>
+    </p:ext>
+  </p:extLst>
 </p:presentation>
 </file>
 
@@ -422,11 +427,11 @@
           <c:showPercent val="0"/>
           <c:showBubbleSize val="0"/>
         </c:dLbls>
-        <c:axId val="-387352128"/>
-        <c:axId val="-387350496"/>
+        <c:axId val="2134783808"/>
+        <c:axId val="2134267136"/>
       </c:scatterChart>
       <c:valAx>
-        <c:axId val="-387352128"/>
+        <c:axId val="2134783808"/>
         <c:scaling>
           <c:orientation val="minMax"/>
         </c:scaling>
@@ -482,12 +487,12 @@
             <a:endParaRPr lang="en-US"/>
           </a:p>
         </c:txPr>
-        <c:crossAx val="-387350496"/>
+        <c:crossAx val="2134267136"/>
         <c:crosses val="autoZero"/>
         <c:crossBetween val="midCat"/>
       </c:valAx>
       <c:valAx>
-        <c:axId val="-387350496"/>
+        <c:axId val="2134267136"/>
         <c:scaling>
           <c:orientation val="minMax"/>
         </c:scaling>
@@ -544,7 +549,7 @@
             <a:endParaRPr lang="en-US"/>
           </a:p>
         </c:txPr>
-        <c:crossAx val="-387352128"/>
+        <c:crossAx val="2134783808"/>
         <c:crosses val="autoZero"/>
         <c:crossBetween val="midCat"/>
       </c:valAx>
@@ -1253,7 +1258,7 @@
           <a:p>
             <a:fld id="{F9DD0BEF-495A-2845-AF9B-9BE0AD20D8E9}" type="datetimeFigureOut">
               <a:rPr lang="en-US" smtClean="0"/>
-              <a:t>12/12/17</a:t>
+              <a:t>12/13/17</a:t>
             </a:fld>
             <a:endParaRPr lang="en-US"/>
           </a:p>
@@ -1692,7 +1697,7 @@
           <a:p>
             <a:fld id="{35A7622A-383C-C347-9DC8-D2B382FFEB0A}" type="datetimeFigureOut">
               <a:rPr lang="en-US" smtClean="0"/>
-              <a:t>12/12/17</a:t>
+              <a:t>12/13/17</a:t>
             </a:fld>
             <a:endParaRPr lang="en-US"/>
           </a:p>
@@ -1999,7 +2004,7 @@
           <a:p>
             <a:fld id="{35A7622A-383C-C347-9DC8-D2B382FFEB0A}" type="datetimeFigureOut">
               <a:rPr lang="en-US" smtClean="0"/>
-              <a:t>12/12/17</a:t>
+              <a:t>12/13/17</a:t>
             </a:fld>
             <a:endParaRPr lang="en-US"/>
           </a:p>
@@ -2216,7 +2221,7 @@
           <a:p>
             <a:fld id="{35A7622A-383C-C347-9DC8-D2B382FFEB0A}" type="datetimeFigureOut">
               <a:rPr lang="en-US" smtClean="0"/>
-              <a:t>12/12/17</a:t>
+              <a:t>12/13/17</a:t>
             </a:fld>
             <a:endParaRPr lang="en-US"/>
           </a:p>
@@ -2502,7 +2507,7 @@
           <a:p>
             <a:fld id="{35A7622A-383C-C347-9DC8-D2B382FFEB0A}" type="datetimeFigureOut">
               <a:rPr lang="en-US" smtClean="0"/>
-              <a:t>12/12/17</a:t>
+              <a:t>12/13/17</a:t>
             </a:fld>
             <a:endParaRPr lang="en-US"/>
           </a:p>
@@ -2951,7 +2956,7 @@
           <a:p>
             <a:fld id="{35A7622A-383C-C347-9DC8-D2B382FFEB0A}" type="datetimeFigureOut">
               <a:rPr lang="en-US" smtClean="0"/>
-              <a:t>12/12/17</a:t>
+              <a:t>12/13/17</a:t>
             </a:fld>
             <a:endParaRPr lang="en-US"/>
           </a:p>
@@ -3522,7 +3527,7 @@
           <a:p>
             <a:fld id="{35A7622A-383C-C347-9DC8-D2B382FFEB0A}" type="datetimeFigureOut">
               <a:rPr lang="en-US" smtClean="0"/>
-              <a:t>12/12/17</a:t>
+              <a:t>12/13/17</a:t>
             </a:fld>
             <a:endParaRPr lang="en-US"/>
           </a:p>
@@ -4369,7 +4374,7 @@
           <a:p>
             <a:fld id="{35A7622A-383C-C347-9DC8-D2B382FFEB0A}" type="datetimeFigureOut">
               <a:rPr lang="en-US" smtClean="0"/>
-              <a:t>12/12/17</a:t>
+              <a:t>12/13/17</a:t>
             </a:fld>
             <a:endParaRPr lang="en-US"/>
           </a:p>
@@ -4569,7 +4574,7 @@
           <a:p>
             <a:fld id="{35A7622A-383C-C347-9DC8-D2B382FFEB0A}" type="datetimeFigureOut">
               <a:rPr lang="en-US" smtClean="0"/>
-              <a:t>12/12/17</a:t>
+              <a:t>12/13/17</a:t>
             </a:fld>
             <a:endParaRPr lang="en-US"/>
           </a:p>
@@ -4778,7 +4783,7 @@
           <a:p>
             <a:fld id="{35A7622A-383C-C347-9DC8-D2B382FFEB0A}" type="datetimeFigureOut">
               <a:rPr lang="en-US" smtClean="0"/>
-              <a:t>12/12/17</a:t>
+              <a:t>12/13/17</a:t>
             </a:fld>
             <a:endParaRPr lang="en-US"/>
           </a:p>
@@ -4978,7 +4983,7 @@
           <a:p>
             <a:fld id="{35A7622A-383C-C347-9DC8-D2B382FFEB0A}" type="datetimeFigureOut">
               <a:rPr lang="en-US" smtClean="0"/>
-              <a:t>12/12/17</a:t>
+              <a:t>12/13/17</a:t>
             </a:fld>
             <a:endParaRPr lang="en-US"/>
           </a:p>
@@ -5253,7 +5258,7 @@
           <a:p>
             <a:fld id="{35A7622A-383C-C347-9DC8-D2B382FFEB0A}" type="datetimeFigureOut">
               <a:rPr lang="en-US" smtClean="0"/>
-              <a:t>12/12/17</a:t>
+              <a:t>12/13/17</a:t>
             </a:fld>
             <a:endParaRPr lang="en-US"/>
           </a:p>
@@ -5515,7 +5520,7 @@
           <a:p>
             <a:fld id="{35A7622A-383C-C347-9DC8-D2B382FFEB0A}" type="datetimeFigureOut">
               <a:rPr lang="en-US" smtClean="0"/>
-              <a:t>12/12/17</a:t>
+              <a:t>12/13/17</a:t>
             </a:fld>
             <a:endParaRPr lang="en-US"/>
           </a:p>
@@ -5925,7 +5930,7 @@
           <a:p>
             <a:fld id="{35A7622A-383C-C347-9DC8-D2B382FFEB0A}" type="datetimeFigureOut">
               <a:rPr lang="en-US" smtClean="0"/>
-              <a:t>12/12/17</a:t>
+              <a:t>12/13/17</a:t>
             </a:fld>
             <a:endParaRPr lang="en-US"/>
           </a:p>
@@ -6068,7 +6073,7 @@
           <a:p>
             <a:fld id="{35A7622A-383C-C347-9DC8-D2B382FFEB0A}" type="datetimeFigureOut">
               <a:rPr lang="en-US" smtClean="0"/>
-              <a:t>12/12/17</a:t>
+              <a:t>12/13/17</a:t>
             </a:fld>
             <a:endParaRPr lang="en-US"/>
           </a:p>
@@ -6188,7 +6193,7 @@
           <a:p>
             <a:fld id="{35A7622A-383C-C347-9DC8-D2B382FFEB0A}" type="datetimeFigureOut">
               <a:rPr lang="en-US" smtClean="0"/>
-              <a:t>12/12/17</a:t>
+              <a:t>12/13/17</a:t>
             </a:fld>
             <a:endParaRPr lang="en-US"/>
           </a:p>
@@ -6462,7 +6467,7 @@
           <a:p>
             <a:fld id="{35A7622A-383C-C347-9DC8-D2B382FFEB0A}" type="datetimeFigureOut">
               <a:rPr lang="en-US" smtClean="0"/>
-              <a:t>12/12/17</a:t>
+              <a:t>12/13/17</a:t>
             </a:fld>
             <a:endParaRPr lang="en-US"/>
           </a:p>
@@ -6769,7 +6774,7 @@
           <a:p>
             <a:fld id="{35A7622A-383C-C347-9DC8-D2B382FFEB0A}" type="datetimeFigureOut">
               <a:rPr lang="en-US" smtClean="0"/>
-              <a:t>12/12/17</a:t>
+              <a:t>12/13/17</a:t>
             </a:fld>
             <a:endParaRPr lang="en-US"/>
           </a:p>
@@ -7017,7 +7022,7 @@
           <a:p>
             <a:fld id="{35A7622A-383C-C347-9DC8-D2B382FFEB0A}" type="datetimeFigureOut">
               <a:rPr lang="en-US" smtClean="0"/>
-              <a:t>12/12/17</a:t>
+              <a:t>12/13/17</a:t>
             </a:fld>
             <a:endParaRPr lang="en-US"/>
           </a:p>
@@ -7983,12 +7988,19 @@
               <a:rPr lang="en-US" sz="2000" dirty="0" smtClean="0"/>
               <a:t>.</a:t>
             </a:r>
-            <a:endParaRPr lang="en-US" sz="2000" dirty="0" smtClean="0"/>
           </a:p>
           <a:p>
             <a:r>
               <a:rPr lang="en-US" sz="2000" dirty="0" smtClean="0"/>
-              <a:t>Finally, we would give a prediction of final ranking(top 5) and the best player in specific season based on data above.</a:t>
+              <a:t>Finally, we would give a prediction of final ranking(top 5) </a:t>
+            </a:r>
+            <a:r>
+              <a:rPr lang="en-US" sz="2000" dirty="0" smtClean="0"/>
+              <a:t>in </a:t>
+            </a:r>
+            <a:r>
+              <a:rPr lang="en-US" sz="2000" dirty="0" smtClean="0"/>
+              <a:t>specific season based on data above.</a:t>
             </a:r>
             <a:endParaRPr lang="en-US" sz="2000" dirty="0"/>
           </a:p>
@@ -8770,11 +8782,7 @@
             </a:pPr>
             <a:r>
               <a:rPr lang="en-US" altLang="zh-CN" sz="2000" dirty="0" smtClean="0"/>
-              <a:t>Read training data from SQLite </a:t>
-            </a:r>
-            <a:r>
-              <a:rPr lang="en-US" altLang="zh-CN" sz="2000" dirty="0" smtClean="0"/>
-              <a:t>database</a:t>
+              <a:t>Read training data from SQLite database</a:t>
             </a:r>
           </a:p>
           <a:p>
@@ -8841,11 +8849,7 @@
             </a:r>
             <a:r>
               <a:rPr lang="en-US" altLang="zh-CN" sz="2000" dirty="0" smtClean="0"/>
-              <a:t> </a:t>
-            </a:r>
-            <a:r>
-              <a:rPr lang="en-US" altLang="zh-CN" sz="2000" dirty="0" smtClean="0"/>
-              <a:t>to </a:t>
+              <a:t> to </a:t>
             </a:r>
             <a:r>
               <a:rPr lang="en-US" altLang="zh-CN" sz="2000" dirty="0"/>
@@ -8855,7 +8859,6 @@
               <a:rPr lang="en-US" altLang="zh-CN" sz="2000" dirty="0" smtClean="0"/>
               <a:t>predict model and present the Premier League Standing</a:t>
             </a:r>
-            <a:endParaRPr lang="en-US" altLang="zh-CN" sz="2000" dirty="0" smtClean="0"/>
           </a:p>
         </p:txBody>
       </p:sp>
@@ -9209,7 +9212,6 @@
               <a:rPr lang="en-US" altLang="zh-CN" sz="3200" dirty="0" smtClean="0"/>
               <a:t>season)</a:t>
             </a:r>
-            <a:endParaRPr lang="en-US" altLang="zh-CN" sz="3200" dirty="0" smtClean="0"/>
           </a:p>
         </p:txBody>
       </p:sp>
